--- a/performance evaluation/A note on performance evals.pptx
+++ b/performance evaluation/A note on performance evals.pptx
@@ -6,6 +6,7 @@
   </p:sldMasterIdLst>
   <p:sldIdLst>
     <p:sldId id="256" r:id="rId2"/>
+    <p:sldId id="257" r:id="rId3"/>
   </p:sldIdLst>
   <p:sldSz cx="12192000" cy="6858000"/>
   <p:notesSz cx="6858000" cy="9144000"/>
@@ -104,6 +105,11 @@
       </a:defRPr>
     </a:lvl9pPr>
   </p:defaultTextStyle>
+  <p:extLst>
+    <p:ext uri="{EFAFB233-063F-42B5-8137-9DF3F51BA10A}">
+      <p15:sldGuideLst xmlns:p15="http://schemas.microsoft.com/office/powerpoint/2012/main"/>
+    </p:ext>
+  </p:extLst>
 </p:presentation>
 </file>
 
@@ -254,7 +260,7 @@
           <a:p>
             <a:fld id="{8FB5FF91-AEAF-4551-9D74-A43319EEA96B}" type="datetimeFigureOut">
               <a:rPr lang="en-US" smtClean="0"/>
-              <a:t>10/19/2024</a:t>
+              <a:t>10/20/2024</a:t>
             </a:fld>
             <a:endParaRPr lang="en-US"/>
           </a:p>
@@ -452,7 +458,7 @@
           <a:p>
             <a:fld id="{8FB5FF91-AEAF-4551-9D74-A43319EEA96B}" type="datetimeFigureOut">
               <a:rPr lang="en-US" smtClean="0"/>
-              <a:t>10/19/2024</a:t>
+              <a:t>10/20/2024</a:t>
             </a:fld>
             <a:endParaRPr lang="en-US"/>
           </a:p>
@@ -660,7 +666,7 @@
           <a:p>
             <a:fld id="{8FB5FF91-AEAF-4551-9D74-A43319EEA96B}" type="datetimeFigureOut">
               <a:rPr lang="en-US" smtClean="0"/>
-              <a:t>10/19/2024</a:t>
+              <a:t>10/20/2024</a:t>
             </a:fld>
             <a:endParaRPr lang="en-US"/>
           </a:p>
@@ -858,7 +864,7 @@
           <a:p>
             <a:fld id="{8FB5FF91-AEAF-4551-9D74-A43319EEA96B}" type="datetimeFigureOut">
               <a:rPr lang="en-US" smtClean="0"/>
-              <a:t>10/19/2024</a:t>
+              <a:t>10/20/2024</a:t>
             </a:fld>
             <a:endParaRPr lang="en-US"/>
           </a:p>
@@ -1133,7 +1139,7 @@
           <a:p>
             <a:fld id="{8FB5FF91-AEAF-4551-9D74-A43319EEA96B}" type="datetimeFigureOut">
               <a:rPr lang="en-US" smtClean="0"/>
-              <a:t>10/19/2024</a:t>
+              <a:t>10/20/2024</a:t>
             </a:fld>
             <a:endParaRPr lang="en-US"/>
           </a:p>
@@ -1398,7 +1404,7 @@
           <a:p>
             <a:fld id="{8FB5FF91-AEAF-4551-9D74-A43319EEA96B}" type="datetimeFigureOut">
               <a:rPr lang="en-US" smtClean="0"/>
-              <a:t>10/19/2024</a:t>
+              <a:t>10/20/2024</a:t>
             </a:fld>
             <a:endParaRPr lang="en-US"/>
           </a:p>
@@ -1810,7 +1816,7 @@
           <a:p>
             <a:fld id="{8FB5FF91-AEAF-4551-9D74-A43319EEA96B}" type="datetimeFigureOut">
               <a:rPr lang="en-US" smtClean="0"/>
-              <a:t>10/19/2024</a:t>
+              <a:t>10/20/2024</a:t>
             </a:fld>
             <a:endParaRPr lang="en-US"/>
           </a:p>
@@ -1951,7 +1957,7 @@
           <a:p>
             <a:fld id="{8FB5FF91-AEAF-4551-9D74-A43319EEA96B}" type="datetimeFigureOut">
               <a:rPr lang="en-US" smtClean="0"/>
-              <a:t>10/19/2024</a:t>
+              <a:t>10/20/2024</a:t>
             </a:fld>
             <a:endParaRPr lang="en-US"/>
           </a:p>
@@ -2064,7 +2070,7 @@
           <a:p>
             <a:fld id="{8FB5FF91-AEAF-4551-9D74-A43319EEA96B}" type="datetimeFigureOut">
               <a:rPr lang="en-US" smtClean="0"/>
-              <a:t>10/19/2024</a:t>
+              <a:t>10/20/2024</a:t>
             </a:fld>
             <a:endParaRPr lang="en-US"/>
           </a:p>
@@ -2375,7 +2381,7 @@
           <a:p>
             <a:fld id="{8FB5FF91-AEAF-4551-9D74-A43319EEA96B}" type="datetimeFigureOut">
               <a:rPr lang="en-US" smtClean="0"/>
-              <a:t>10/19/2024</a:t>
+              <a:t>10/20/2024</a:t>
             </a:fld>
             <a:endParaRPr lang="en-US"/>
           </a:p>
@@ -2663,7 +2669,7 @@
           <a:p>
             <a:fld id="{8FB5FF91-AEAF-4551-9D74-A43319EEA96B}" type="datetimeFigureOut">
               <a:rPr lang="en-US" smtClean="0"/>
-              <a:t>10/19/2024</a:t>
+              <a:t>10/20/2024</a:t>
             </a:fld>
             <a:endParaRPr lang="en-US"/>
           </a:p>
@@ -2904,7 +2910,7 @@
           <a:p>
             <a:fld id="{8FB5FF91-AEAF-4551-9D74-A43319EEA96B}" type="datetimeFigureOut">
               <a:rPr lang="en-US" smtClean="0"/>
-              <a:t>10/19/2024</a:t>
+              <a:t>10/20/2024</a:t>
             </a:fld>
             <a:endParaRPr lang="en-US"/>
           </a:p>
@@ -3468,7 +3474,7 @@
                 </a14:m>
                 <a:r>
                   <a:rPr lang="en-US" sz="1600" dirty="0"/>
-                  <a:t>(e.g. small corner shop), arranged in a 2*3*4 grid [16m*6m*4m]</a:t>
+                  <a:t>(e.g. small corner shop), arranged in a 2*3*4 grid [16m*6m*2m]</a:t>
                 </a:r>
               </a:p>
               <a:p>
@@ -3498,7 +3504,7 @@
                 </a14:m>
                 <a:r>
                   <a:rPr lang="en-US" sz="1600" dirty="0"/>
-                  <a:t>(e.g. regular city supermarket), arranged in a 5*6*3 grid [50m*15m*4m]</a:t>
+                  <a:t>(e.g. regular city supermarket), arranged in a 5*6*3 grid [50m*15m*2m]</a:t>
                 </a:r>
               </a:p>
               <a:p>
@@ -3540,7 +3546,15 @@
                 </a:r>
                 <a:r>
                   <a:rPr lang="en-US" sz="1600" dirty="0"/>
-                  <a:t>), arranged in 6*8*4 grid [40m*21m*4m]</a:t>
+                  <a:t>), arranged in 6*8*3 grid [40m*21m*2m] with the closest </a:t>
+                </a:r>
+                <a:r>
+                  <a:rPr lang="en-US" sz="1600" dirty="0" err="1"/>
+                  <a:t>andd</a:t>
+                </a:r>
+                <a:r>
+                  <a:rPr lang="en-US" sz="1600" dirty="0"/>
+                  <a:t> further aisles having an extra shelf at z = 2,5m (144+16node)</a:t>
                 </a:r>
               </a:p>
               <a:p>
@@ -3584,15 +3598,7 @@
                 </a:pPr>
                 <a:r>
                   <a:rPr lang="en-US" sz="1600" dirty="0"/>
-                  <a:t>We’ll test different scan frequencies for the whole network, namely 5 scan/sec and  20 scans/sec (simulating </a:t>
-                </a:r>
-                <a:r>
-                  <a:rPr lang="en-US" sz="1600"/>
-                  <a:t>off hours and </a:t>
-                </a:r>
-                <a:r>
-                  <a:rPr lang="en-US" sz="1600" dirty="0"/>
-                  <a:t>rush hour use). Frequency variance will be </a:t>
+                  <a:t>We’ll test different scan frequencies for the whole network, namely 5 scan/sec and  20 scans/sec (simulating off hours and rush hour use). Frequency variance will be </a:t>
                 </a:r>
                 <a:r>
                   <a:rPr lang="en-US" sz="1600" dirty="0" err="1"/>
@@ -7965,6 +7971,1356 @@
     <p:extLst>
       <p:ext uri="{BB962C8B-B14F-4D97-AF65-F5344CB8AC3E}">
         <p14:creationId xmlns:p14="http://schemas.microsoft.com/office/powerpoint/2010/main" val="2367557652"/>
+      </p:ext>
+    </p:extLst>
+  </p:cSld>
+  <p:clrMapOvr>
+    <a:masterClrMapping/>
+  </p:clrMapOvr>
+</p:sld>
+</file>
+
+<file path=ppt/slides/slide2.xml><?xml version="1.0" encoding="utf-8"?>
+<p:sld xmlns:a="http://schemas.openxmlformats.org/drawingml/2006/main" xmlns:r="http://schemas.openxmlformats.org/officeDocument/2006/relationships" xmlns:p="http://schemas.openxmlformats.org/presentationml/2006/main">
+  <p:cSld>
+    <p:spTree>
+      <p:nvGrpSpPr>
+        <p:cNvPr id="1" name=""/>
+        <p:cNvGrpSpPr/>
+        <p:nvPr/>
+      </p:nvGrpSpPr>
+      <p:grpSpPr>
+        <a:xfrm>
+          <a:off x="0" y="0"/>
+          <a:ext cx="0" cy="0"/>
+          <a:chOff x="0" y="0"/>
+          <a:chExt cx="0" cy="0"/>
+        </a:xfrm>
+      </p:grpSpPr>
+      <p:pic>
+        <p:nvPicPr>
+          <p:cNvPr id="5" name="Picture 4">
+            <a:extLst>
+              <a:ext uri="{FF2B5EF4-FFF2-40B4-BE49-F238E27FC236}">
+                <a16:creationId xmlns:a16="http://schemas.microsoft.com/office/drawing/2014/main" id="{106B6BC3-FE82-3A03-C8FD-C4640EE622AB}"/>
+              </a:ext>
+            </a:extLst>
+          </p:cNvPr>
+          <p:cNvPicPr>
+            <a:picLocks noChangeAspect="1"/>
+          </p:cNvPicPr>
+          <p:nvPr/>
+        </p:nvPicPr>
+        <p:blipFill>
+          <a:blip r:embed="rId2"/>
+          <a:stretch>
+            <a:fillRect/>
+          </a:stretch>
+        </p:blipFill>
+        <p:spPr>
+          <a:xfrm>
+            <a:off x="1838081" y="1048549"/>
+            <a:ext cx="6816392" cy="4302148"/>
+          </a:xfrm>
+          <a:prstGeom prst="rect">
+            <a:avLst/>
+          </a:prstGeom>
+        </p:spPr>
+      </p:pic>
+      <p:cxnSp>
+        <p:nvCxnSpPr>
+          <p:cNvPr id="13" name="Straight Connector 12">
+            <a:extLst>
+              <a:ext uri="{FF2B5EF4-FFF2-40B4-BE49-F238E27FC236}">
+                <a16:creationId xmlns:a16="http://schemas.microsoft.com/office/drawing/2014/main" id="{09736F77-DB42-0054-BF85-EC9EAA7DCC5C}"/>
+              </a:ext>
+            </a:extLst>
+          </p:cNvPr>
+          <p:cNvCxnSpPr>
+            <a:cxnSpLocks/>
+          </p:cNvCxnSpPr>
+          <p:nvPr/>
+        </p:nvCxnSpPr>
+        <p:spPr>
+          <a:xfrm>
+            <a:off x="2825496" y="2148840"/>
+            <a:ext cx="2121408" cy="0"/>
+          </a:xfrm>
+          <a:prstGeom prst="line">
+            <a:avLst/>
+          </a:prstGeom>
+          <a:ln w="57150">
+            <a:headEnd type="none" w="med" len="med"/>
+            <a:tailEnd type="oval" w="med" len="med"/>
+          </a:ln>
+        </p:spPr>
+        <p:style>
+          <a:lnRef idx="2">
+            <a:schemeClr val="accent6"/>
+          </a:lnRef>
+          <a:fillRef idx="0">
+            <a:schemeClr val="accent6"/>
+          </a:fillRef>
+          <a:effectRef idx="1">
+            <a:schemeClr val="accent6"/>
+          </a:effectRef>
+          <a:fontRef idx="minor">
+            <a:schemeClr val="tx1"/>
+          </a:fontRef>
+        </p:style>
+      </p:cxnSp>
+      <p:cxnSp>
+        <p:nvCxnSpPr>
+          <p:cNvPr id="7" name="Straight Connector 6">
+            <a:extLst>
+              <a:ext uri="{FF2B5EF4-FFF2-40B4-BE49-F238E27FC236}">
+                <a16:creationId xmlns:a16="http://schemas.microsoft.com/office/drawing/2014/main" id="{EA66F0E3-0AEB-57DB-460F-4708F4AEB373}"/>
+              </a:ext>
+            </a:extLst>
+          </p:cNvPr>
+          <p:cNvCxnSpPr/>
+          <p:nvPr/>
+        </p:nvCxnSpPr>
+        <p:spPr>
+          <a:xfrm>
+            <a:off x="1773382" y="1985818"/>
+            <a:ext cx="7666182" cy="0"/>
+          </a:xfrm>
+          <a:prstGeom prst="line">
+            <a:avLst/>
+          </a:prstGeom>
+          <a:ln w="57150">
+            <a:prstDash val="lgDash"/>
+          </a:ln>
+        </p:spPr>
+        <p:style>
+          <a:lnRef idx="2">
+            <a:schemeClr val="dk1"/>
+          </a:lnRef>
+          <a:fillRef idx="0">
+            <a:schemeClr val="dk1"/>
+          </a:fillRef>
+          <a:effectRef idx="1">
+            <a:schemeClr val="dk1"/>
+          </a:effectRef>
+          <a:fontRef idx="minor">
+            <a:schemeClr val="tx1"/>
+          </a:fontRef>
+        </p:style>
+      </p:cxnSp>
+      <p:cxnSp>
+        <p:nvCxnSpPr>
+          <p:cNvPr id="8" name="Straight Connector 7">
+            <a:extLst>
+              <a:ext uri="{FF2B5EF4-FFF2-40B4-BE49-F238E27FC236}">
+                <a16:creationId xmlns:a16="http://schemas.microsoft.com/office/drawing/2014/main" id="{E0BB9DA6-7112-F60A-5421-553382C21D65}"/>
+              </a:ext>
+            </a:extLst>
+          </p:cNvPr>
+          <p:cNvCxnSpPr>
+            <a:cxnSpLocks/>
+          </p:cNvCxnSpPr>
+          <p:nvPr/>
+        </p:nvCxnSpPr>
+        <p:spPr>
+          <a:xfrm>
+            <a:off x="2221992" y="1024128"/>
+            <a:ext cx="0" cy="4942563"/>
+          </a:xfrm>
+          <a:prstGeom prst="line">
+            <a:avLst/>
+          </a:prstGeom>
+          <a:ln w="57150">
+            <a:prstDash val="lgDash"/>
+          </a:ln>
+        </p:spPr>
+        <p:style>
+          <a:lnRef idx="2">
+            <a:schemeClr val="dk1"/>
+          </a:lnRef>
+          <a:fillRef idx="0">
+            <a:schemeClr val="dk1"/>
+          </a:fillRef>
+          <a:effectRef idx="1">
+            <a:schemeClr val="dk1"/>
+          </a:effectRef>
+          <a:fontRef idx="minor">
+            <a:schemeClr val="tx1"/>
+          </a:fontRef>
+        </p:style>
+      </p:cxnSp>
+      <p:cxnSp>
+        <p:nvCxnSpPr>
+          <p:cNvPr id="11" name="Straight Connector 10">
+            <a:extLst>
+              <a:ext uri="{FF2B5EF4-FFF2-40B4-BE49-F238E27FC236}">
+                <a16:creationId xmlns:a16="http://schemas.microsoft.com/office/drawing/2014/main" id="{E5E9523C-E02A-A6B4-E0AB-5A92FCD01B3F}"/>
+              </a:ext>
+            </a:extLst>
+          </p:cNvPr>
+          <p:cNvCxnSpPr>
+            <a:cxnSpLocks/>
+          </p:cNvCxnSpPr>
+          <p:nvPr/>
+        </p:nvCxnSpPr>
+        <p:spPr>
+          <a:xfrm>
+            <a:off x="8116824" y="1024128"/>
+            <a:ext cx="0" cy="4809744"/>
+          </a:xfrm>
+          <a:prstGeom prst="line">
+            <a:avLst/>
+          </a:prstGeom>
+          <a:ln w="57150">
+            <a:prstDash val="lgDash"/>
+          </a:ln>
+        </p:spPr>
+        <p:style>
+          <a:lnRef idx="2">
+            <a:schemeClr val="dk1"/>
+          </a:lnRef>
+          <a:fillRef idx="0">
+            <a:schemeClr val="dk1"/>
+          </a:fillRef>
+          <a:effectRef idx="1">
+            <a:schemeClr val="dk1"/>
+          </a:effectRef>
+          <a:fontRef idx="minor">
+            <a:schemeClr val="tx1"/>
+          </a:fontRef>
+        </p:style>
+      </p:cxnSp>
+      <p:cxnSp>
+        <p:nvCxnSpPr>
+          <p:cNvPr id="15" name="Straight Connector 14">
+            <a:extLst>
+              <a:ext uri="{FF2B5EF4-FFF2-40B4-BE49-F238E27FC236}">
+                <a16:creationId xmlns:a16="http://schemas.microsoft.com/office/drawing/2014/main" id="{6C64B00F-5308-943C-3546-25443E83E676}"/>
+              </a:ext>
+            </a:extLst>
+          </p:cNvPr>
+          <p:cNvCxnSpPr>
+            <a:cxnSpLocks/>
+          </p:cNvCxnSpPr>
+          <p:nvPr/>
+        </p:nvCxnSpPr>
+        <p:spPr>
+          <a:xfrm>
+            <a:off x="5660136" y="2148840"/>
+            <a:ext cx="2167128" cy="0"/>
+          </a:xfrm>
+          <a:prstGeom prst="line">
+            <a:avLst/>
+          </a:prstGeom>
+        </p:spPr>
+        <p:style>
+          <a:lnRef idx="2">
+            <a:schemeClr val="accent1"/>
+          </a:lnRef>
+          <a:fillRef idx="0">
+            <a:schemeClr val="accent1"/>
+          </a:fillRef>
+          <a:effectRef idx="1">
+            <a:schemeClr val="accent1"/>
+          </a:effectRef>
+          <a:fontRef idx="minor">
+            <a:schemeClr val="tx1"/>
+          </a:fontRef>
+        </p:style>
+      </p:cxnSp>
+      <p:cxnSp>
+        <p:nvCxnSpPr>
+          <p:cNvPr id="18" name="Straight Connector 17">
+            <a:extLst>
+              <a:ext uri="{FF2B5EF4-FFF2-40B4-BE49-F238E27FC236}">
+                <a16:creationId xmlns:a16="http://schemas.microsoft.com/office/drawing/2014/main" id="{14C9FDF5-7D3F-6523-369E-FAD23D86A6DD}"/>
+              </a:ext>
+            </a:extLst>
+          </p:cNvPr>
+          <p:cNvCxnSpPr>
+            <a:cxnSpLocks/>
+          </p:cNvCxnSpPr>
+          <p:nvPr/>
+        </p:nvCxnSpPr>
+        <p:spPr>
+          <a:xfrm>
+            <a:off x="5660136" y="2987040"/>
+            <a:ext cx="2167128" cy="0"/>
+          </a:xfrm>
+          <a:prstGeom prst="line">
+            <a:avLst/>
+          </a:prstGeom>
+        </p:spPr>
+        <p:style>
+          <a:lnRef idx="2">
+            <a:schemeClr val="accent1"/>
+          </a:lnRef>
+          <a:fillRef idx="0">
+            <a:schemeClr val="accent1"/>
+          </a:fillRef>
+          <a:effectRef idx="1">
+            <a:schemeClr val="accent1"/>
+          </a:effectRef>
+          <a:fontRef idx="minor">
+            <a:schemeClr val="tx1"/>
+          </a:fontRef>
+        </p:style>
+      </p:cxnSp>
+      <p:cxnSp>
+        <p:nvCxnSpPr>
+          <p:cNvPr id="19" name="Straight Connector 18">
+            <a:extLst>
+              <a:ext uri="{FF2B5EF4-FFF2-40B4-BE49-F238E27FC236}">
+                <a16:creationId xmlns:a16="http://schemas.microsoft.com/office/drawing/2014/main" id="{792A492A-4F75-2443-3124-EEDBA77E94FE}"/>
+              </a:ext>
+            </a:extLst>
+          </p:cNvPr>
+          <p:cNvCxnSpPr>
+            <a:cxnSpLocks/>
+          </p:cNvCxnSpPr>
+          <p:nvPr/>
+        </p:nvCxnSpPr>
+        <p:spPr>
+          <a:xfrm>
+            <a:off x="5660136" y="3825240"/>
+            <a:ext cx="2167128" cy="0"/>
+          </a:xfrm>
+          <a:prstGeom prst="line">
+            <a:avLst/>
+          </a:prstGeom>
+        </p:spPr>
+        <p:style>
+          <a:lnRef idx="2">
+            <a:schemeClr val="accent1"/>
+          </a:lnRef>
+          <a:fillRef idx="0">
+            <a:schemeClr val="accent1"/>
+          </a:fillRef>
+          <a:effectRef idx="1">
+            <a:schemeClr val="accent1"/>
+          </a:effectRef>
+          <a:fontRef idx="minor">
+            <a:schemeClr val="tx1"/>
+          </a:fontRef>
+        </p:style>
+      </p:cxnSp>
+      <p:cxnSp>
+        <p:nvCxnSpPr>
+          <p:cNvPr id="21" name="Straight Connector 20">
+            <a:extLst>
+              <a:ext uri="{FF2B5EF4-FFF2-40B4-BE49-F238E27FC236}">
+                <a16:creationId xmlns:a16="http://schemas.microsoft.com/office/drawing/2014/main" id="{A2B49BAE-95C1-9C95-AF2B-28AFE884D03D}"/>
+              </a:ext>
+            </a:extLst>
+          </p:cNvPr>
+          <p:cNvCxnSpPr>
+            <a:cxnSpLocks/>
+          </p:cNvCxnSpPr>
+          <p:nvPr/>
+        </p:nvCxnSpPr>
+        <p:spPr>
+          <a:xfrm>
+            <a:off x="2825496" y="2987040"/>
+            <a:ext cx="2121408" cy="0"/>
+          </a:xfrm>
+          <a:prstGeom prst="line">
+            <a:avLst/>
+          </a:prstGeom>
+        </p:spPr>
+        <p:style>
+          <a:lnRef idx="2">
+            <a:schemeClr val="accent1"/>
+          </a:lnRef>
+          <a:fillRef idx="0">
+            <a:schemeClr val="accent1"/>
+          </a:fillRef>
+          <a:effectRef idx="1">
+            <a:schemeClr val="accent1"/>
+          </a:effectRef>
+          <a:fontRef idx="minor">
+            <a:schemeClr val="tx1"/>
+          </a:fontRef>
+        </p:style>
+      </p:cxnSp>
+      <p:cxnSp>
+        <p:nvCxnSpPr>
+          <p:cNvPr id="22" name="Straight Connector 21">
+            <a:extLst>
+              <a:ext uri="{FF2B5EF4-FFF2-40B4-BE49-F238E27FC236}">
+                <a16:creationId xmlns:a16="http://schemas.microsoft.com/office/drawing/2014/main" id="{FDE4953E-5310-D34E-71B7-37D7DD693A3A}"/>
+              </a:ext>
+            </a:extLst>
+          </p:cNvPr>
+          <p:cNvCxnSpPr>
+            <a:cxnSpLocks/>
+          </p:cNvCxnSpPr>
+          <p:nvPr/>
+        </p:nvCxnSpPr>
+        <p:spPr>
+          <a:xfrm>
+            <a:off x="2825496" y="3837432"/>
+            <a:ext cx="2121408" cy="0"/>
+          </a:xfrm>
+          <a:prstGeom prst="line">
+            <a:avLst/>
+          </a:prstGeom>
+        </p:spPr>
+        <p:style>
+          <a:lnRef idx="2">
+            <a:schemeClr val="accent1"/>
+          </a:lnRef>
+          <a:fillRef idx="0">
+            <a:schemeClr val="accent1"/>
+          </a:fillRef>
+          <a:effectRef idx="1">
+            <a:schemeClr val="accent1"/>
+          </a:effectRef>
+          <a:fontRef idx="minor">
+            <a:schemeClr val="tx1"/>
+          </a:fontRef>
+        </p:style>
+      </p:cxnSp>
+      <p:cxnSp>
+        <p:nvCxnSpPr>
+          <p:cNvPr id="27" name="Straight Connector 26">
+            <a:extLst>
+              <a:ext uri="{FF2B5EF4-FFF2-40B4-BE49-F238E27FC236}">
+                <a16:creationId xmlns:a16="http://schemas.microsoft.com/office/drawing/2014/main" id="{A0333228-A525-2BE3-D735-CFA605298665}"/>
+              </a:ext>
+            </a:extLst>
+          </p:cNvPr>
+          <p:cNvCxnSpPr>
+            <a:cxnSpLocks/>
+          </p:cNvCxnSpPr>
+          <p:nvPr/>
+        </p:nvCxnSpPr>
+        <p:spPr>
+          <a:xfrm>
+            <a:off x="2825496" y="2987040"/>
+            <a:ext cx="2121408" cy="0"/>
+          </a:xfrm>
+          <a:prstGeom prst="line">
+            <a:avLst/>
+          </a:prstGeom>
+          <a:ln w="57150">
+            <a:headEnd type="none" w="med" len="med"/>
+            <a:tailEnd type="oval" w="med" len="med"/>
+          </a:ln>
+        </p:spPr>
+        <p:style>
+          <a:lnRef idx="2">
+            <a:schemeClr val="accent6"/>
+          </a:lnRef>
+          <a:fillRef idx="0">
+            <a:schemeClr val="accent6"/>
+          </a:fillRef>
+          <a:effectRef idx="1">
+            <a:schemeClr val="accent6"/>
+          </a:effectRef>
+          <a:fontRef idx="minor">
+            <a:schemeClr val="tx1"/>
+          </a:fontRef>
+        </p:style>
+      </p:cxnSp>
+      <p:cxnSp>
+        <p:nvCxnSpPr>
+          <p:cNvPr id="28" name="Straight Connector 27">
+            <a:extLst>
+              <a:ext uri="{FF2B5EF4-FFF2-40B4-BE49-F238E27FC236}">
+                <a16:creationId xmlns:a16="http://schemas.microsoft.com/office/drawing/2014/main" id="{621043BA-D2E2-33DE-E473-02242F30394D}"/>
+              </a:ext>
+            </a:extLst>
+          </p:cNvPr>
+          <p:cNvCxnSpPr>
+            <a:cxnSpLocks/>
+          </p:cNvCxnSpPr>
+          <p:nvPr/>
+        </p:nvCxnSpPr>
+        <p:spPr>
+          <a:xfrm>
+            <a:off x="2825496" y="3837432"/>
+            <a:ext cx="2121408" cy="0"/>
+          </a:xfrm>
+          <a:prstGeom prst="line">
+            <a:avLst/>
+          </a:prstGeom>
+          <a:ln w="57150">
+            <a:headEnd type="none" w="med" len="med"/>
+            <a:tailEnd type="oval" w="med" len="med"/>
+          </a:ln>
+        </p:spPr>
+        <p:style>
+          <a:lnRef idx="2">
+            <a:schemeClr val="accent6"/>
+          </a:lnRef>
+          <a:fillRef idx="0">
+            <a:schemeClr val="accent6"/>
+          </a:fillRef>
+          <a:effectRef idx="1">
+            <a:schemeClr val="accent6"/>
+          </a:effectRef>
+          <a:fontRef idx="minor">
+            <a:schemeClr val="tx1"/>
+          </a:fontRef>
+        </p:style>
+      </p:cxnSp>
+      <p:cxnSp>
+        <p:nvCxnSpPr>
+          <p:cNvPr id="29" name="Straight Connector 28">
+            <a:extLst>
+              <a:ext uri="{FF2B5EF4-FFF2-40B4-BE49-F238E27FC236}">
+                <a16:creationId xmlns:a16="http://schemas.microsoft.com/office/drawing/2014/main" id="{4C1AFB7F-72B3-3511-61B3-E0F9D0C05F69}"/>
+              </a:ext>
+            </a:extLst>
+          </p:cNvPr>
+          <p:cNvCxnSpPr>
+            <a:cxnSpLocks/>
+          </p:cNvCxnSpPr>
+          <p:nvPr/>
+        </p:nvCxnSpPr>
+        <p:spPr>
+          <a:xfrm>
+            <a:off x="5660136" y="3843436"/>
+            <a:ext cx="2121408" cy="0"/>
+          </a:xfrm>
+          <a:prstGeom prst="line">
+            <a:avLst/>
+          </a:prstGeom>
+          <a:ln w="57150">
+            <a:headEnd type="none" w="med" len="med"/>
+            <a:tailEnd type="oval" w="med" len="med"/>
+          </a:ln>
+        </p:spPr>
+        <p:style>
+          <a:lnRef idx="2">
+            <a:schemeClr val="accent6"/>
+          </a:lnRef>
+          <a:fillRef idx="0">
+            <a:schemeClr val="accent6"/>
+          </a:fillRef>
+          <a:effectRef idx="1">
+            <a:schemeClr val="accent6"/>
+          </a:effectRef>
+          <a:fontRef idx="minor">
+            <a:schemeClr val="tx1"/>
+          </a:fontRef>
+        </p:style>
+      </p:cxnSp>
+      <p:cxnSp>
+        <p:nvCxnSpPr>
+          <p:cNvPr id="30" name="Straight Connector 29">
+            <a:extLst>
+              <a:ext uri="{FF2B5EF4-FFF2-40B4-BE49-F238E27FC236}">
+                <a16:creationId xmlns:a16="http://schemas.microsoft.com/office/drawing/2014/main" id="{B7CF775D-2490-6DAE-13EF-5E913DC08E79}"/>
+              </a:ext>
+            </a:extLst>
+          </p:cNvPr>
+          <p:cNvCxnSpPr>
+            <a:cxnSpLocks/>
+          </p:cNvCxnSpPr>
+          <p:nvPr/>
+        </p:nvCxnSpPr>
+        <p:spPr>
+          <a:xfrm>
+            <a:off x="5660136" y="2983531"/>
+            <a:ext cx="2121408" cy="0"/>
+          </a:xfrm>
+          <a:prstGeom prst="line">
+            <a:avLst/>
+          </a:prstGeom>
+          <a:ln w="57150">
+            <a:headEnd type="none" w="med" len="med"/>
+            <a:tailEnd type="oval" w="med" len="med"/>
+          </a:ln>
+        </p:spPr>
+        <p:style>
+          <a:lnRef idx="2">
+            <a:schemeClr val="accent6"/>
+          </a:lnRef>
+          <a:fillRef idx="0">
+            <a:schemeClr val="accent6"/>
+          </a:fillRef>
+          <a:effectRef idx="1">
+            <a:schemeClr val="accent6"/>
+          </a:effectRef>
+          <a:fontRef idx="minor">
+            <a:schemeClr val="tx1"/>
+          </a:fontRef>
+        </p:style>
+      </p:cxnSp>
+      <p:cxnSp>
+        <p:nvCxnSpPr>
+          <p:cNvPr id="31" name="Straight Connector 30">
+            <a:extLst>
+              <a:ext uri="{FF2B5EF4-FFF2-40B4-BE49-F238E27FC236}">
+                <a16:creationId xmlns:a16="http://schemas.microsoft.com/office/drawing/2014/main" id="{7612B90B-2B3F-1829-36AC-3ACE458A0F09}"/>
+              </a:ext>
+            </a:extLst>
+          </p:cNvPr>
+          <p:cNvCxnSpPr>
+            <a:cxnSpLocks/>
+          </p:cNvCxnSpPr>
+          <p:nvPr/>
+        </p:nvCxnSpPr>
+        <p:spPr>
+          <a:xfrm>
+            <a:off x="5660136" y="2148840"/>
+            <a:ext cx="2121408" cy="0"/>
+          </a:xfrm>
+          <a:prstGeom prst="line">
+            <a:avLst/>
+          </a:prstGeom>
+          <a:ln w="57150">
+            <a:headEnd type="none" w="med" len="med"/>
+            <a:tailEnd type="oval" w="med" len="med"/>
+          </a:ln>
+        </p:spPr>
+        <p:style>
+          <a:lnRef idx="2">
+            <a:schemeClr val="accent6"/>
+          </a:lnRef>
+          <a:fillRef idx="0">
+            <a:schemeClr val="accent6"/>
+          </a:fillRef>
+          <a:effectRef idx="1">
+            <a:schemeClr val="accent6"/>
+          </a:effectRef>
+          <a:fontRef idx="minor">
+            <a:schemeClr val="tx1"/>
+          </a:fontRef>
+        </p:style>
+      </p:cxnSp>
+      <p:sp>
+        <p:nvSpPr>
+          <p:cNvPr id="32" name="Rectangle 31">
+            <a:extLst>
+              <a:ext uri="{FF2B5EF4-FFF2-40B4-BE49-F238E27FC236}">
+                <a16:creationId xmlns:a16="http://schemas.microsoft.com/office/drawing/2014/main" id="{ED5C0F5F-4C82-F920-1F89-DFF62BD07AAF}"/>
+              </a:ext>
+            </a:extLst>
+          </p:cNvPr>
+          <p:cNvSpPr/>
+          <p:nvPr/>
+        </p:nvSpPr>
+        <p:spPr>
+          <a:xfrm>
+            <a:off x="5771806" y="4872182"/>
+            <a:ext cx="2121407" cy="835892"/>
+          </a:xfrm>
+          <a:prstGeom prst="rect">
+            <a:avLst/>
+          </a:prstGeom>
+          <a:solidFill>
+            <a:schemeClr val="bg2"/>
+          </a:solidFill>
+          <a:ln>
+            <a:solidFill>
+              <a:schemeClr val="tx1"/>
+            </a:solidFill>
+          </a:ln>
+        </p:spPr>
+        <p:style>
+          <a:lnRef idx="2">
+            <a:schemeClr val="accent1">
+              <a:shade val="15000"/>
+            </a:schemeClr>
+          </a:lnRef>
+          <a:fillRef idx="1">
+            <a:schemeClr val="accent1"/>
+          </a:fillRef>
+          <a:effectRef idx="0">
+            <a:schemeClr val="accent1"/>
+          </a:effectRef>
+          <a:fontRef idx="minor">
+            <a:schemeClr val="lt1"/>
+          </a:fontRef>
+        </p:style>
+        <p:txBody>
+          <a:bodyPr rtlCol="0" anchor="ctr"/>
+          <a:lstStyle/>
+          <a:p>
+            <a:pPr algn="ctr"/>
+            <a:r>
+              <a:rPr lang="en-US" b="1" dirty="0">
+                <a:solidFill>
+                  <a:schemeClr val="tx1"/>
+                </a:solidFill>
+              </a:rPr>
+              <a:t>Checkout</a:t>
+            </a:r>
+          </a:p>
+        </p:txBody>
+      </p:sp>
+      <p:cxnSp>
+        <p:nvCxnSpPr>
+          <p:cNvPr id="33" name="Straight Connector 32">
+            <a:extLst>
+              <a:ext uri="{FF2B5EF4-FFF2-40B4-BE49-F238E27FC236}">
+                <a16:creationId xmlns:a16="http://schemas.microsoft.com/office/drawing/2014/main" id="{EE4C7234-438C-50F7-6401-BF9B9DDC0355}"/>
+              </a:ext>
+            </a:extLst>
+          </p:cNvPr>
+          <p:cNvCxnSpPr>
+            <a:cxnSpLocks/>
+          </p:cNvCxnSpPr>
+          <p:nvPr/>
+        </p:nvCxnSpPr>
+        <p:spPr>
+          <a:xfrm>
+            <a:off x="4378036" y="5833872"/>
+            <a:ext cx="4770583" cy="0"/>
+          </a:xfrm>
+          <a:prstGeom prst="line">
+            <a:avLst/>
+          </a:prstGeom>
+          <a:ln w="57150">
+            <a:prstDash val="lgDash"/>
+          </a:ln>
+        </p:spPr>
+        <p:style>
+          <a:lnRef idx="2">
+            <a:schemeClr val="dk1"/>
+          </a:lnRef>
+          <a:fillRef idx="0">
+            <a:schemeClr val="dk1"/>
+          </a:fillRef>
+          <a:effectRef idx="1">
+            <a:schemeClr val="dk1"/>
+          </a:effectRef>
+          <a:fontRef idx="minor">
+            <a:schemeClr val="tx1"/>
+          </a:fontRef>
+        </p:style>
+      </p:cxnSp>
+      <p:cxnSp>
+        <p:nvCxnSpPr>
+          <p:cNvPr id="36" name="Straight Connector 35">
+            <a:extLst>
+              <a:ext uri="{FF2B5EF4-FFF2-40B4-BE49-F238E27FC236}">
+                <a16:creationId xmlns:a16="http://schemas.microsoft.com/office/drawing/2014/main" id="{69371A60-77EF-F19F-F378-EE7F2D38CEC1}"/>
+              </a:ext>
+            </a:extLst>
+          </p:cNvPr>
+          <p:cNvCxnSpPr>
+            <a:cxnSpLocks/>
+          </p:cNvCxnSpPr>
+          <p:nvPr/>
+        </p:nvCxnSpPr>
+        <p:spPr>
+          <a:xfrm>
+            <a:off x="1011620" y="5839599"/>
+            <a:ext cx="2008671" cy="0"/>
+          </a:xfrm>
+          <a:prstGeom prst="line">
+            <a:avLst/>
+          </a:prstGeom>
+          <a:ln w="57150">
+            <a:prstDash val="lgDash"/>
+          </a:ln>
+        </p:spPr>
+        <p:style>
+          <a:lnRef idx="2">
+            <a:schemeClr val="dk1"/>
+          </a:lnRef>
+          <a:fillRef idx="0">
+            <a:schemeClr val="dk1"/>
+          </a:fillRef>
+          <a:effectRef idx="1">
+            <a:schemeClr val="dk1"/>
+          </a:effectRef>
+          <a:fontRef idx="minor">
+            <a:schemeClr val="tx1"/>
+          </a:fontRef>
+        </p:style>
+      </p:cxnSp>
+      <p:cxnSp>
+        <p:nvCxnSpPr>
+          <p:cNvPr id="39" name="Straight Connector 38">
+            <a:extLst>
+              <a:ext uri="{FF2B5EF4-FFF2-40B4-BE49-F238E27FC236}">
+                <a16:creationId xmlns:a16="http://schemas.microsoft.com/office/drawing/2014/main" id="{EAD85D1A-BDA5-61CC-DECB-EEB15ADE7C82}"/>
+              </a:ext>
+            </a:extLst>
+          </p:cNvPr>
+          <p:cNvCxnSpPr/>
+          <p:nvPr/>
+        </p:nvCxnSpPr>
+        <p:spPr>
+          <a:xfrm flipV="1">
+            <a:off x="3020291" y="5190836"/>
+            <a:ext cx="1108364" cy="643036"/>
+          </a:xfrm>
+          <a:prstGeom prst="line">
+            <a:avLst/>
+          </a:prstGeom>
+        </p:spPr>
+        <p:style>
+          <a:lnRef idx="2">
+            <a:schemeClr val="dk1"/>
+          </a:lnRef>
+          <a:fillRef idx="0">
+            <a:schemeClr val="dk1"/>
+          </a:fillRef>
+          <a:effectRef idx="1">
+            <a:schemeClr val="dk1"/>
+          </a:effectRef>
+          <a:fontRef idx="minor">
+            <a:schemeClr val="tx1"/>
+          </a:fontRef>
+        </p:style>
+      </p:cxnSp>
+      <p:sp>
+        <p:nvSpPr>
+          <p:cNvPr id="40" name="Arc 39">
+            <a:extLst>
+              <a:ext uri="{FF2B5EF4-FFF2-40B4-BE49-F238E27FC236}">
+                <a16:creationId xmlns:a16="http://schemas.microsoft.com/office/drawing/2014/main" id="{9E30CBBD-BB0B-3BAF-0826-51B9788337D9}"/>
+              </a:ext>
+            </a:extLst>
+          </p:cNvPr>
+          <p:cNvSpPr/>
+          <p:nvPr/>
+        </p:nvSpPr>
+        <p:spPr>
+          <a:xfrm>
+            <a:off x="3591161" y="5190836"/>
+            <a:ext cx="811477" cy="1123256"/>
+          </a:xfrm>
+          <a:prstGeom prst="arc">
+            <a:avLst>
+              <a:gd name="adj1" fmla="val 16752694"/>
+              <a:gd name="adj2" fmla="val 542785"/>
+            </a:avLst>
+          </a:prstGeom>
+        </p:spPr>
+        <p:style>
+          <a:lnRef idx="2">
+            <a:schemeClr val="accent1"/>
+          </a:lnRef>
+          <a:fillRef idx="0">
+            <a:schemeClr val="accent1"/>
+          </a:fillRef>
+          <a:effectRef idx="1">
+            <a:schemeClr val="accent1"/>
+          </a:effectRef>
+          <a:fontRef idx="minor">
+            <a:schemeClr val="tx1"/>
+          </a:fontRef>
+        </p:style>
+        <p:txBody>
+          <a:bodyPr rtlCol="0" anchor="ctr"/>
+          <a:lstStyle/>
+          <a:p>
+            <a:pPr algn="ctr"/>
+            <a:endParaRPr lang="en-US"/>
+          </a:p>
+        </p:txBody>
+      </p:sp>
+      <p:sp>
+        <p:nvSpPr>
+          <p:cNvPr id="42" name="Arrow: Up-Down 41">
+            <a:extLst>
+              <a:ext uri="{FF2B5EF4-FFF2-40B4-BE49-F238E27FC236}">
+                <a16:creationId xmlns:a16="http://schemas.microsoft.com/office/drawing/2014/main" id="{E41F5BCD-E577-0ED7-0B9F-AE1DBEEF3EF8}"/>
+              </a:ext>
+            </a:extLst>
+          </p:cNvPr>
+          <p:cNvSpPr/>
+          <p:nvPr/>
+        </p:nvSpPr>
+        <p:spPr>
+          <a:xfrm>
+            <a:off x="3442870" y="5816542"/>
+            <a:ext cx="501165" cy="643036"/>
+          </a:xfrm>
+          <a:prstGeom prst="upDownArrow">
+            <a:avLst/>
+          </a:prstGeom>
+        </p:spPr>
+        <p:style>
+          <a:lnRef idx="2">
+            <a:schemeClr val="accent1">
+              <a:shade val="15000"/>
+            </a:schemeClr>
+          </a:lnRef>
+          <a:fillRef idx="1">
+            <a:schemeClr val="accent1"/>
+          </a:fillRef>
+          <a:effectRef idx="0">
+            <a:schemeClr val="accent1"/>
+          </a:effectRef>
+          <a:fontRef idx="minor">
+            <a:schemeClr val="lt1"/>
+          </a:fontRef>
+        </p:style>
+        <p:txBody>
+          <a:bodyPr rtlCol="0" anchor="ctr"/>
+          <a:lstStyle/>
+          <a:p>
+            <a:pPr algn="ctr"/>
+            <a:endParaRPr lang="en-US"/>
+          </a:p>
+        </p:txBody>
+      </p:sp>
+      <p:sp>
+        <p:nvSpPr>
+          <p:cNvPr id="43" name="TextBox 42">
+            <a:extLst>
+              <a:ext uri="{FF2B5EF4-FFF2-40B4-BE49-F238E27FC236}">
+                <a16:creationId xmlns:a16="http://schemas.microsoft.com/office/drawing/2014/main" id="{62868401-7DF4-29B7-E0D6-8DBB0823AFBF}"/>
+              </a:ext>
+            </a:extLst>
+          </p:cNvPr>
+          <p:cNvSpPr txBox="1"/>
+          <p:nvPr/>
+        </p:nvSpPr>
+        <p:spPr>
+          <a:xfrm>
+            <a:off x="3996899" y="5975853"/>
+            <a:ext cx="1168013" cy="923330"/>
+          </a:xfrm>
+          <a:prstGeom prst="rect">
+            <a:avLst/>
+          </a:prstGeom>
+          <a:noFill/>
+        </p:spPr>
+        <p:txBody>
+          <a:bodyPr wrap="square" rtlCol="0">
+            <a:spAutoFit/>
+          </a:bodyPr>
+          <a:lstStyle/>
+          <a:p>
+            <a:r>
+              <a:rPr lang="en-US" dirty="0"/>
+              <a:t>Store Entrance/Exit</a:t>
+            </a:r>
+          </a:p>
+        </p:txBody>
+      </p:sp>
+      <p:sp>
+        <p:nvSpPr>
+          <p:cNvPr id="44" name="Oval 43">
+            <a:extLst>
+              <a:ext uri="{FF2B5EF4-FFF2-40B4-BE49-F238E27FC236}">
+                <a16:creationId xmlns:a16="http://schemas.microsoft.com/office/drawing/2014/main" id="{A4BAD9A7-11BA-9ACB-3CE5-F77F3B43E1C5}"/>
+              </a:ext>
+            </a:extLst>
+          </p:cNvPr>
+          <p:cNvSpPr/>
+          <p:nvPr/>
+        </p:nvSpPr>
+        <p:spPr>
+          <a:xfrm>
+            <a:off x="8917433" y="3443451"/>
+            <a:ext cx="320040" cy="336804"/>
+          </a:xfrm>
+          <a:prstGeom prst="ellipse">
+            <a:avLst/>
+          </a:prstGeom>
+          <a:solidFill>
+            <a:srgbClr val="FFCC00"/>
+          </a:solidFill>
+          <a:ln>
+            <a:solidFill>
+              <a:schemeClr val="tx1"/>
+            </a:solidFill>
+          </a:ln>
+        </p:spPr>
+        <p:style>
+          <a:lnRef idx="2">
+            <a:schemeClr val="accent6">
+              <a:shade val="15000"/>
+            </a:schemeClr>
+          </a:lnRef>
+          <a:fillRef idx="1">
+            <a:schemeClr val="accent6"/>
+          </a:fillRef>
+          <a:effectRef idx="0">
+            <a:schemeClr val="accent6"/>
+          </a:effectRef>
+          <a:fontRef idx="minor">
+            <a:schemeClr val="lt1"/>
+          </a:fontRef>
+        </p:style>
+        <p:txBody>
+          <a:bodyPr rtlCol="0" anchor="ctr"/>
+          <a:lstStyle/>
+          <a:p>
+            <a:pPr algn="ctr"/>
+            <a:endParaRPr lang="en-US"/>
+          </a:p>
+        </p:txBody>
+      </p:sp>
+      <p:sp>
+        <p:nvSpPr>
+          <p:cNvPr id="45" name="Oval 44">
+            <a:extLst>
+              <a:ext uri="{FF2B5EF4-FFF2-40B4-BE49-F238E27FC236}">
+                <a16:creationId xmlns:a16="http://schemas.microsoft.com/office/drawing/2014/main" id="{F2BAED73-1F1C-D3C0-7676-A91052D7EC3B}"/>
+              </a:ext>
+            </a:extLst>
+          </p:cNvPr>
+          <p:cNvSpPr/>
+          <p:nvPr/>
+        </p:nvSpPr>
+        <p:spPr>
+          <a:xfrm>
+            <a:off x="8917433" y="3969095"/>
+            <a:ext cx="320040" cy="336804"/>
+          </a:xfrm>
+          <a:prstGeom prst="ellipse">
+            <a:avLst/>
+          </a:prstGeom>
+          <a:ln>
+            <a:solidFill>
+              <a:schemeClr val="tx1"/>
+            </a:solidFill>
+          </a:ln>
+        </p:spPr>
+        <p:style>
+          <a:lnRef idx="2">
+            <a:schemeClr val="accent6">
+              <a:shade val="15000"/>
+            </a:schemeClr>
+          </a:lnRef>
+          <a:fillRef idx="1">
+            <a:schemeClr val="accent6"/>
+          </a:fillRef>
+          <a:effectRef idx="0">
+            <a:schemeClr val="accent6"/>
+          </a:effectRef>
+          <a:fontRef idx="minor">
+            <a:schemeClr val="lt1"/>
+          </a:fontRef>
+        </p:style>
+        <p:txBody>
+          <a:bodyPr rtlCol="0" anchor="ctr"/>
+          <a:lstStyle/>
+          <a:p>
+            <a:pPr algn="ctr"/>
+            <a:endParaRPr lang="en-US"/>
+          </a:p>
+        </p:txBody>
+      </p:sp>
+      <p:cxnSp>
+        <p:nvCxnSpPr>
+          <p:cNvPr id="46" name="Straight Connector 45">
+            <a:extLst>
+              <a:ext uri="{FF2B5EF4-FFF2-40B4-BE49-F238E27FC236}">
+                <a16:creationId xmlns:a16="http://schemas.microsoft.com/office/drawing/2014/main" id="{E6A3B62B-79DE-9FA0-329A-0DBD38D9C7BD}"/>
+              </a:ext>
+            </a:extLst>
+          </p:cNvPr>
+          <p:cNvCxnSpPr>
+            <a:cxnSpLocks/>
+          </p:cNvCxnSpPr>
+          <p:nvPr/>
+        </p:nvCxnSpPr>
+        <p:spPr>
+          <a:xfrm flipH="1">
+            <a:off x="8677921" y="4542559"/>
+            <a:ext cx="761642" cy="0"/>
+          </a:xfrm>
+          <a:prstGeom prst="line">
+            <a:avLst/>
+          </a:prstGeom>
+          <a:ln w="57150">
+            <a:solidFill>
+              <a:schemeClr val="tx1"/>
+            </a:solidFill>
+            <a:prstDash val="lgDash"/>
+          </a:ln>
+        </p:spPr>
+        <p:style>
+          <a:lnRef idx="2">
+            <a:schemeClr val="dk1"/>
+          </a:lnRef>
+          <a:fillRef idx="0">
+            <a:schemeClr val="dk1"/>
+          </a:fillRef>
+          <a:effectRef idx="1">
+            <a:schemeClr val="dk1"/>
+          </a:effectRef>
+          <a:fontRef idx="minor">
+            <a:schemeClr val="tx1"/>
+          </a:fontRef>
+        </p:style>
+      </p:cxnSp>
+      <p:sp>
+        <p:nvSpPr>
+          <p:cNvPr id="47" name="Oval 46">
+            <a:extLst>
+              <a:ext uri="{FF2B5EF4-FFF2-40B4-BE49-F238E27FC236}">
+                <a16:creationId xmlns:a16="http://schemas.microsoft.com/office/drawing/2014/main" id="{777547EB-6B5D-8732-AF41-BC4DDD2D4299}"/>
+              </a:ext>
+            </a:extLst>
+          </p:cNvPr>
+          <p:cNvSpPr/>
+          <p:nvPr/>
+        </p:nvSpPr>
+        <p:spPr>
+          <a:xfrm>
+            <a:off x="8911336" y="2938745"/>
+            <a:ext cx="320040" cy="336804"/>
+          </a:xfrm>
+          <a:prstGeom prst="ellipse">
+            <a:avLst/>
+          </a:prstGeom>
+          <a:solidFill>
+            <a:schemeClr val="accent5"/>
+          </a:solidFill>
+          <a:ln>
+            <a:solidFill>
+              <a:schemeClr val="tx1"/>
+            </a:solidFill>
+          </a:ln>
+        </p:spPr>
+        <p:style>
+          <a:lnRef idx="2">
+            <a:schemeClr val="accent6">
+              <a:shade val="15000"/>
+            </a:schemeClr>
+          </a:lnRef>
+          <a:fillRef idx="1">
+            <a:schemeClr val="accent6"/>
+          </a:fillRef>
+          <a:effectRef idx="0">
+            <a:schemeClr val="accent6"/>
+          </a:effectRef>
+          <a:fontRef idx="minor">
+            <a:schemeClr val="lt1"/>
+          </a:fontRef>
+        </p:style>
+        <p:txBody>
+          <a:bodyPr rtlCol="0" anchor="ctr"/>
+          <a:lstStyle/>
+          <a:p>
+            <a:pPr algn="ctr"/>
+            <a:endParaRPr lang="en-US"/>
+          </a:p>
+        </p:txBody>
+      </p:sp>
+      <p:sp>
+        <p:nvSpPr>
+          <p:cNvPr id="48" name="TextBox 47">
+            <a:extLst>
+              <a:ext uri="{FF2B5EF4-FFF2-40B4-BE49-F238E27FC236}">
+                <a16:creationId xmlns:a16="http://schemas.microsoft.com/office/drawing/2014/main" id="{E5FA574D-B2CB-AB66-2016-CD9617A82364}"/>
+              </a:ext>
+            </a:extLst>
+          </p:cNvPr>
+          <p:cNvSpPr txBox="1"/>
+          <p:nvPr/>
+        </p:nvSpPr>
+        <p:spPr>
+          <a:xfrm>
+            <a:off x="9439564" y="2923913"/>
+            <a:ext cx="1545965" cy="369332"/>
+          </a:xfrm>
+          <a:prstGeom prst="rect">
+            <a:avLst/>
+          </a:prstGeom>
+          <a:noFill/>
+        </p:spPr>
+        <p:txBody>
+          <a:bodyPr wrap="square" rtlCol="0">
+            <a:spAutoFit/>
+          </a:bodyPr>
+          <a:lstStyle/>
+          <a:p>
+            <a:r>
+              <a:rPr lang="en-US" dirty="0"/>
+              <a:t>Disturbance</a:t>
+            </a:r>
+          </a:p>
+        </p:txBody>
+      </p:sp>
+      <p:sp>
+        <p:nvSpPr>
+          <p:cNvPr id="49" name="TextBox 48">
+            <a:extLst>
+              <a:ext uri="{FF2B5EF4-FFF2-40B4-BE49-F238E27FC236}">
+                <a16:creationId xmlns:a16="http://schemas.microsoft.com/office/drawing/2014/main" id="{A59F813E-26A1-2B0B-43EA-DF26FDF8B27A}"/>
+              </a:ext>
+            </a:extLst>
+          </p:cNvPr>
+          <p:cNvSpPr txBox="1"/>
+          <p:nvPr/>
+        </p:nvSpPr>
+        <p:spPr>
+          <a:xfrm>
+            <a:off x="9439563" y="3471024"/>
+            <a:ext cx="2056167" cy="369332"/>
+          </a:xfrm>
+          <a:prstGeom prst="rect">
+            <a:avLst/>
+          </a:prstGeom>
+          <a:noFill/>
+        </p:spPr>
+        <p:txBody>
+          <a:bodyPr wrap="square" rtlCol="0">
+            <a:spAutoFit/>
+          </a:bodyPr>
+          <a:lstStyle/>
+          <a:p>
+            <a:r>
+              <a:rPr lang="en-US" dirty="0"/>
+              <a:t>Shelf cluster head</a:t>
+            </a:r>
+          </a:p>
+        </p:txBody>
+      </p:sp>
+      <p:sp>
+        <p:nvSpPr>
+          <p:cNvPr id="50" name="TextBox 49">
+            <a:extLst>
+              <a:ext uri="{FF2B5EF4-FFF2-40B4-BE49-F238E27FC236}">
+                <a16:creationId xmlns:a16="http://schemas.microsoft.com/office/drawing/2014/main" id="{73658E01-15BE-6A39-8399-B31B396DE7D8}"/>
+              </a:ext>
+            </a:extLst>
+          </p:cNvPr>
+          <p:cNvSpPr txBox="1"/>
+          <p:nvPr/>
+        </p:nvSpPr>
+        <p:spPr>
+          <a:xfrm>
+            <a:off x="9500433" y="3913867"/>
+            <a:ext cx="2056167" cy="369332"/>
+          </a:xfrm>
+          <a:prstGeom prst="rect">
+            <a:avLst/>
+          </a:prstGeom>
+          <a:noFill/>
+        </p:spPr>
+        <p:txBody>
+          <a:bodyPr wrap="square" rtlCol="0">
+            <a:spAutoFit/>
+          </a:bodyPr>
+          <a:lstStyle/>
+          <a:p>
+            <a:r>
+              <a:rPr lang="en-US" dirty="0"/>
+              <a:t>Server</a:t>
+            </a:r>
+          </a:p>
+        </p:txBody>
+      </p:sp>
+      <p:cxnSp>
+        <p:nvCxnSpPr>
+          <p:cNvPr id="51" name="Straight Connector 50">
+            <a:extLst>
+              <a:ext uri="{FF2B5EF4-FFF2-40B4-BE49-F238E27FC236}">
+                <a16:creationId xmlns:a16="http://schemas.microsoft.com/office/drawing/2014/main" id="{3C4DF722-F9AC-F8AC-3DA8-275499110AF9}"/>
+              </a:ext>
+            </a:extLst>
+          </p:cNvPr>
+          <p:cNvCxnSpPr>
+            <a:cxnSpLocks/>
+          </p:cNvCxnSpPr>
+          <p:nvPr/>
+        </p:nvCxnSpPr>
+        <p:spPr>
+          <a:xfrm>
+            <a:off x="8755542" y="5044501"/>
+            <a:ext cx="631627" cy="0"/>
+          </a:xfrm>
+          <a:prstGeom prst="line">
+            <a:avLst/>
+          </a:prstGeom>
+          <a:ln w="57150">
+            <a:headEnd type="none" w="med" len="med"/>
+            <a:tailEnd type="oval" w="med" len="med"/>
+          </a:ln>
+        </p:spPr>
+        <p:style>
+          <a:lnRef idx="2">
+            <a:schemeClr val="accent6"/>
+          </a:lnRef>
+          <a:fillRef idx="0">
+            <a:schemeClr val="accent6"/>
+          </a:fillRef>
+          <a:effectRef idx="1">
+            <a:schemeClr val="accent6"/>
+          </a:effectRef>
+          <a:fontRef idx="minor">
+            <a:schemeClr val="tx1"/>
+          </a:fontRef>
+        </p:style>
+      </p:cxnSp>
+      <p:sp>
+        <p:nvSpPr>
+          <p:cNvPr id="54" name="TextBox 53">
+            <a:extLst>
+              <a:ext uri="{FF2B5EF4-FFF2-40B4-BE49-F238E27FC236}">
+                <a16:creationId xmlns:a16="http://schemas.microsoft.com/office/drawing/2014/main" id="{FA50D0B5-FBB9-5575-290B-6703EE461C85}"/>
+              </a:ext>
+            </a:extLst>
+          </p:cNvPr>
+          <p:cNvSpPr txBox="1"/>
+          <p:nvPr/>
+        </p:nvSpPr>
+        <p:spPr>
+          <a:xfrm>
+            <a:off x="9506796" y="4812267"/>
+            <a:ext cx="2194674" cy="369332"/>
+          </a:xfrm>
+          <a:prstGeom prst="rect">
+            <a:avLst/>
+          </a:prstGeom>
+          <a:noFill/>
+        </p:spPr>
+        <p:txBody>
+          <a:bodyPr wrap="square" rtlCol="0">
+            <a:spAutoFit/>
+          </a:bodyPr>
+          <a:lstStyle/>
+          <a:p>
+            <a:r>
+              <a:rPr lang="en-US" dirty="0"/>
+              <a:t>Physical store aisle</a:t>
+            </a:r>
+          </a:p>
+        </p:txBody>
+      </p:sp>
+      <p:sp>
+        <p:nvSpPr>
+          <p:cNvPr id="55" name="TextBox 54">
+            <a:extLst>
+              <a:ext uri="{FF2B5EF4-FFF2-40B4-BE49-F238E27FC236}">
+                <a16:creationId xmlns:a16="http://schemas.microsoft.com/office/drawing/2014/main" id="{860915F0-6A30-FA24-26BF-FFE21F7059EC}"/>
+              </a:ext>
+            </a:extLst>
+          </p:cNvPr>
+          <p:cNvSpPr txBox="1"/>
+          <p:nvPr/>
+        </p:nvSpPr>
+        <p:spPr>
+          <a:xfrm>
+            <a:off x="9500432" y="4367685"/>
+            <a:ext cx="2056167" cy="369332"/>
+          </a:xfrm>
+          <a:prstGeom prst="rect">
+            <a:avLst/>
+          </a:prstGeom>
+          <a:noFill/>
+        </p:spPr>
+        <p:txBody>
+          <a:bodyPr wrap="square" rtlCol="0">
+            <a:spAutoFit/>
+          </a:bodyPr>
+          <a:lstStyle/>
+          <a:p>
+            <a:r>
+              <a:rPr lang="en-US" dirty="0"/>
+              <a:t>Store walls</a:t>
+            </a:r>
+          </a:p>
+        </p:txBody>
+      </p:sp>
+    </p:spTree>
+    <p:extLst>
+      <p:ext uri="{BB962C8B-B14F-4D97-AF65-F5344CB8AC3E}">
+        <p14:creationId xmlns:p14="http://schemas.microsoft.com/office/powerpoint/2010/main" val="3092195057"/>
       </p:ext>
     </p:extLst>
   </p:cSld>
